--- a/Classes/Class_8/STL_Containers.pptx
+++ b/Classes/Class_8/STL_Containers.pptx
@@ -5,26 +5,25 @@
     <p:sldMasterId id="2147483702" r:id="rId1"/>
   </p:sldMasterIdLst>
   <p:handoutMasterIdLst>
-    <p:handoutMasterId r:id="rId19"/>
+    <p:handoutMasterId r:id="rId18"/>
   </p:handoutMasterIdLst>
   <p:sldIdLst>
     <p:sldId id="256" r:id="rId2"/>
     <p:sldId id="269" r:id="rId3"/>
     <p:sldId id="280" r:id="rId4"/>
-    <p:sldId id="281" r:id="rId5"/>
-    <p:sldId id="282" r:id="rId6"/>
-    <p:sldId id="283" r:id="rId7"/>
-    <p:sldId id="285" r:id="rId8"/>
-    <p:sldId id="284" r:id="rId9"/>
-    <p:sldId id="286" r:id="rId10"/>
-    <p:sldId id="287" r:id="rId11"/>
-    <p:sldId id="288" r:id="rId12"/>
-    <p:sldId id="289" r:id="rId13"/>
-    <p:sldId id="290" r:id="rId14"/>
-    <p:sldId id="291" r:id="rId15"/>
-    <p:sldId id="292" r:id="rId16"/>
-    <p:sldId id="258" r:id="rId17"/>
-    <p:sldId id="261" r:id="rId18"/>
+    <p:sldId id="282" r:id="rId5"/>
+    <p:sldId id="283" r:id="rId6"/>
+    <p:sldId id="285" r:id="rId7"/>
+    <p:sldId id="284" r:id="rId8"/>
+    <p:sldId id="286" r:id="rId9"/>
+    <p:sldId id="287" r:id="rId10"/>
+    <p:sldId id="288" r:id="rId11"/>
+    <p:sldId id="289" r:id="rId12"/>
+    <p:sldId id="290" r:id="rId13"/>
+    <p:sldId id="291" r:id="rId14"/>
+    <p:sldId id="292" r:id="rId15"/>
+    <p:sldId id="258" r:id="rId16"/>
+    <p:sldId id="261" r:id="rId17"/>
   </p:sldIdLst>
   <p:sldSz cx="12192000" cy="6858000"/>
   <p:notesSz cx="6858000" cy="9144000"/>
@@ -6249,7 +6248,7 @@
           <a:p>
             <a:r>
               <a:rPr lang="en-US" dirty="0"/>
-              <a:t>Std::list</a:t>
+              <a:t>Std::Set</a:t>
             </a:r>
             <a:endParaRPr lang="en-IL" dirty="0"/>
           </a:p>
@@ -6285,31 +6284,19 @@
           <a:p>
             <a:r>
               <a:rPr lang="en-GB" sz="2400" b="1" dirty="0"/>
-              <a:t>std::list </a:t>
+              <a:t>std::set </a:t>
             </a:r>
             <a:r>
               <a:rPr lang="en-GB" sz="2400" dirty="0"/>
-              <a:t>is a container that stores elements in a doubly linked list</a:t>
-            </a:r>
-          </a:p>
-          <a:p>
-            <a:endParaRPr lang="en-GB" sz="2400" dirty="0"/>
-          </a:p>
-          <a:p>
-            <a:pPr marL="0" indent="0">
-              <a:buNone/>
-            </a:pPr>
+              <a:t>is an associative container that contains sorted </a:t>
+            </a:r>
+            <a:r>
+              <a:rPr lang="en-GB" sz="2400" b="1" dirty="0"/>
+              <a:t>unique</a:t>
+            </a:r>
             <a:r>
               <a:rPr lang="en-GB" sz="2400" dirty="0"/>
-              <a:t>	 std::list&lt;int&gt; </a:t>
-            </a:r>
-            <a:r>
-              <a:rPr lang="en-GB" sz="2400" dirty="0" err="1"/>
-              <a:t>lst</a:t>
-            </a:r>
-            <a:r>
-              <a:rPr lang="en-GB" sz="2400" dirty="0"/>
-              <a:t> = {3, 1, 4, 1, 5, 9};</a:t>
+              <a:t> elements</a:t>
             </a:r>
           </a:p>
           <a:p>
@@ -6319,9 +6306,24 @@
             <a:endParaRPr lang="en-GB" sz="2400" dirty="0"/>
           </a:p>
           <a:p>
+            <a:pPr marL="0" indent="0">
+              <a:buNone/>
+            </a:pPr>
             <a:r>
               <a:rPr lang="en-GB" sz="2400" dirty="0"/>
-              <a:t>Use list when you want fast adding or removal of elements but don’t need the a contiguous collection</a:t>
+              <a:t>	 std::set&lt;int&gt; s = { 3, 1, 4, 5, 9 };</a:t>
+            </a:r>
+          </a:p>
+          <a:p>
+            <a:pPr marL="0" indent="0">
+              <a:buNone/>
+            </a:pPr>
+            <a:endParaRPr lang="en-GB" sz="2400" dirty="0"/>
+          </a:p>
+          <a:p>
+            <a:r>
+              <a:rPr lang="en-GB" sz="2400" dirty="0"/>
+              <a:t>Use set when you need to store unique values</a:t>
             </a:r>
           </a:p>
         </p:txBody>
@@ -6367,7 +6369,7 @@
     </p:spTree>
     <p:extLst>
       <p:ext uri="{BB962C8B-B14F-4D97-AF65-F5344CB8AC3E}">
-        <p14:creationId xmlns:p14="http://schemas.microsoft.com/office/powerpoint/2010/main" val="179899286"/>
+        <p14:creationId xmlns:p14="http://schemas.microsoft.com/office/powerpoint/2010/main" val="762897530"/>
       </p:ext>
     </p:extLst>
   </p:cSld>
@@ -6424,7 +6426,7 @@
           <a:p>
             <a:r>
               <a:rPr lang="en-US" dirty="0"/>
-              <a:t>Std::Set</a:t>
+              <a:t>Std::map</a:t>
             </a:r>
             <a:endParaRPr lang="en-IL" dirty="0"/>
           </a:p>
@@ -6449,7 +6451,7 @@
         <p:spPr>
           <a:xfrm>
             <a:off x="619760" y="2194560"/>
-            <a:ext cx="6832600" cy="4024125"/>
+            <a:ext cx="7768590" cy="4024125"/>
           </a:xfrm>
         </p:spPr>
         <p:txBody>
@@ -6460,46 +6462,45 @@
           <a:p>
             <a:r>
               <a:rPr lang="en-GB" sz="2400" b="1" dirty="0"/>
-              <a:t>std::set </a:t>
+              <a:t>std::map </a:t>
+            </a:r>
+            <a:r>
+              <a:rPr lang="en-GB" sz="2400"/>
+              <a:t>is an  </a:t>
             </a:r>
             <a:r>
               <a:rPr lang="en-GB" sz="2400" dirty="0"/>
-              <a:t>is an associative container that contains sorted </a:t>
+              <a:t>associative container that contains key-value pairs with </a:t>
             </a:r>
             <a:r>
               <a:rPr lang="en-GB" sz="2400" b="1" dirty="0"/>
-              <a:t>unique</a:t>
+              <a:t>unique keys </a:t>
             </a:r>
             <a:r>
               <a:rPr lang="en-GB" sz="2400" dirty="0"/>
-              <a:t> elements</a:t>
-            </a:r>
+              <a:t>(keys are sorted)</a:t>
+            </a:r>
+            <a:endParaRPr lang="en-GB" sz="2400" b="1" dirty="0"/>
+          </a:p>
+          <a:p>
+            <a:endParaRPr lang="en-GB" sz="2400" dirty="0"/>
           </a:p>
           <a:p>
             <a:pPr marL="0" indent="0">
               <a:buNone/>
             </a:pPr>
+            <a:r>
+              <a:rPr lang="en-GB" sz="2400" dirty="0"/>
+              <a:t>    std::map&lt;int, char&gt; example = {{1,'a'}, {2,'b'}};</a:t>
+            </a:r>
+          </a:p>
+          <a:p>
             <a:endParaRPr lang="en-GB" sz="2400" dirty="0"/>
           </a:p>
           <a:p>
-            <a:pPr marL="0" indent="0">
-              <a:buNone/>
-            </a:pPr>
             <a:r>
               <a:rPr lang="en-GB" sz="2400" dirty="0"/>
-              <a:t>	 std::set&lt;int&gt; s = { 3, 1, 4, 5, 9 };</a:t>
-            </a:r>
-          </a:p>
-          <a:p>
-            <a:pPr marL="0" indent="0">
-              <a:buNone/>
-            </a:pPr>
-            <a:endParaRPr lang="en-GB" sz="2400" dirty="0"/>
-          </a:p>
-          <a:p>
-            <a:r>
-              <a:rPr lang="en-GB" sz="2400" dirty="0"/>
-              <a:t>Use set when you need to store unique values</a:t>
+              <a:t>Use map when you need to associate elements with keys and need a fast way to search for them</a:t>
             </a:r>
           </a:p>
         </p:txBody>
@@ -6545,7 +6546,7 @@
     </p:spTree>
     <p:extLst>
       <p:ext uri="{BB962C8B-B14F-4D97-AF65-F5344CB8AC3E}">
-        <p14:creationId xmlns:p14="http://schemas.microsoft.com/office/powerpoint/2010/main" val="762897530"/>
+        <p14:creationId xmlns:p14="http://schemas.microsoft.com/office/powerpoint/2010/main" val="3955656001"/>
       </p:ext>
     </p:extLst>
   </p:cSld>
@@ -6602,7 +6603,7 @@
           <a:p>
             <a:r>
               <a:rPr lang="en-US" dirty="0"/>
-              <a:t>Std::map</a:t>
+              <a:t>Container adaptors</a:t>
             </a:r>
             <a:endParaRPr lang="en-IL" dirty="0"/>
           </a:p>
@@ -6632,52 +6633,50 @@
         </p:spPr>
         <p:txBody>
           <a:bodyPr>
-            <a:normAutofit/>
+            <a:normAutofit fontScale="92500" lnSpcReduction="10000"/>
           </a:bodyPr>
           <a:lstStyle/>
           <a:p>
             <a:r>
               <a:rPr lang="en-GB" sz="2400" b="1" dirty="0"/>
-              <a:t>std::map </a:t>
-            </a:r>
-            <a:r>
-              <a:rPr lang="en-GB" sz="2400" dirty="0"/>
-              <a:t>is a sorted associative container that contains key-value pairs with </a:t>
-            </a:r>
+              <a:t>Std::stack&lt;T&gt; (LIFO)</a:t>
+            </a:r>
+          </a:p>
+          <a:p>
+            <a:endParaRPr lang="en-GB" sz="2400" b="1" dirty="0"/>
+          </a:p>
+          <a:p>
             <a:r>
               <a:rPr lang="en-GB" sz="2400" b="1" dirty="0"/>
-              <a:t>unique keys </a:t>
-            </a:r>
-            <a:r>
-              <a:rPr lang="en-GB" sz="2400" dirty="0"/>
-              <a:t>(keys </a:t>
-            </a:r>
-            <a:r>
-              <a:rPr lang="en-GB" sz="2400"/>
-              <a:t>are sorted)</a:t>
-            </a:r>
+              <a:t>Std::queue&lt;T&gt; (FIFO)</a:t>
+            </a:r>
+          </a:p>
+          <a:p>
             <a:endParaRPr lang="en-GB" sz="2400" b="1" dirty="0"/>
           </a:p>
           <a:p>
+            <a:endParaRPr lang="en-GB" sz="2400" b="1" dirty="0"/>
+          </a:p>
+          <a:p>
+            <a:endParaRPr lang="en-GB" sz="2400" b="1" dirty="0"/>
+          </a:p>
+          <a:p>
+            <a:endParaRPr lang="en-GB" sz="2400" b="1" dirty="0"/>
+          </a:p>
+          <a:p>
+            <a:endParaRPr lang="en-GB" sz="2400" b="1" dirty="0"/>
+          </a:p>
+          <a:p>
+            <a:endParaRPr lang="en-GB" sz="2400" b="1" dirty="0"/>
+          </a:p>
+          <a:p>
+            <a:r>
+              <a:rPr lang="en-GB" sz="2400" b="1" dirty="0"/>
+              <a:t>Singly-linked list under the hood…</a:t>
+            </a:r>
+          </a:p>
+          <a:p>
             <a:endParaRPr lang="en-GB" sz="2400" dirty="0"/>
-          </a:p>
-          <a:p>
-            <a:pPr marL="0" indent="0">
-              <a:buNone/>
-            </a:pPr>
-            <a:r>
-              <a:rPr lang="en-GB" sz="2400" dirty="0"/>
-              <a:t>    std::map&lt;int, char&gt; example = {{1,'a'}, {2,'b'}};</a:t>
-            </a:r>
-          </a:p>
-          <a:p>
-            <a:endParaRPr lang="en-GB" sz="2400" dirty="0"/>
-          </a:p>
-          <a:p>
-            <a:r>
-              <a:rPr lang="en-GB" sz="2400" dirty="0"/>
-              <a:t>Use map when you need to associate elements with keys and need a fast way to search for them</a:t>
-            </a:r>
           </a:p>
         </p:txBody>
       </p:sp>
@@ -6719,10 +6718,40 @@
           </a:prstGeom>
         </p:spPr>
       </p:pic>
+      <p:pic>
+        <p:nvPicPr>
+          <p:cNvPr id="6" name="Picture 5">
+            <a:extLst>
+              <a:ext uri="{FF2B5EF4-FFF2-40B4-BE49-F238E27FC236}">
+                <a16:creationId xmlns:a16="http://schemas.microsoft.com/office/drawing/2014/main" id="{20786E7F-1A80-E83A-0599-FD1EBBAB3095}"/>
+              </a:ext>
+            </a:extLst>
+          </p:cNvPr>
+          <p:cNvPicPr>
+            <a:picLocks noChangeAspect="1"/>
+          </p:cNvPicPr>
+          <p:nvPr/>
+        </p:nvPicPr>
+        <p:blipFill>
+          <a:blip r:embed="rId4"/>
+          <a:stretch>
+            <a:fillRect/>
+          </a:stretch>
+        </p:blipFill>
+        <p:spPr>
+          <a:xfrm>
+            <a:off x="1088290" y="3337400"/>
+            <a:ext cx="5268060" cy="2343477"/>
+          </a:xfrm>
+          <a:prstGeom prst="rect">
+            <a:avLst/>
+          </a:prstGeom>
+        </p:spPr>
+      </p:pic>
     </p:spTree>
     <p:extLst>
       <p:ext uri="{BB962C8B-B14F-4D97-AF65-F5344CB8AC3E}">
-        <p14:creationId xmlns:p14="http://schemas.microsoft.com/office/powerpoint/2010/main" val="3955656001"/>
+        <p14:creationId xmlns:p14="http://schemas.microsoft.com/office/powerpoint/2010/main" val="479230865"/>
       </p:ext>
     </p:extLst>
   </p:cSld>
@@ -6779,7 +6808,7 @@
           <a:p>
             <a:r>
               <a:rPr lang="en-US" dirty="0"/>
-              <a:t>Container adaptors</a:t>
+              <a:t>Std::stack</a:t>
             </a:r>
             <a:endParaRPr lang="en-IL" dirty="0"/>
           </a:p>
@@ -6804,54 +6833,50 @@
         <p:spPr>
           <a:xfrm>
             <a:off x="619760" y="2194560"/>
-            <a:ext cx="8054340" cy="4024125"/>
+            <a:ext cx="7241478" cy="4024125"/>
           </a:xfrm>
         </p:spPr>
         <p:txBody>
           <a:bodyPr>
-            <a:normAutofit fontScale="92500" lnSpcReduction="10000"/>
+            <a:normAutofit/>
           </a:bodyPr>
           <a:lstStyle/>
           <a:p>
             <a:r>
+              <a:rPr lang="en-GB" sz="2400" dirty="0"/>
+              <a:t>The </a:t>
+            </a:r>
+            <a:r>
               <a:rPr lang="en-GB" sz="2400" b="1" dirty="0"/>
-              <a:t>Std::stack&lt;T&gt; (LIFO)</a:t>
-            </a:r>
-          </a:p>
-          <a:p>
-            <a:endParaRPr lang="en-GB" sz="2400" b="1" dirty="0"/>
-          </a:p>
-          <a:p>
-            <a:r>
-              <a:rPr lang="en-GB" sz="2400" b="1" dirty="0"/>
-              <a:t>Std::queue&lt;T&gt; (FIFO)</a:t>
-            </a:r>
-          </a:p>
-          <a:p>
-            <a:endParaRPr lang="en-GB" sz="2400" b="1" dirty="0"/>
-          </a:p>
-          <a:p>
-            <a:endParaRPr lang="en-GB" sz="2400" b="1" dirty="0"/>
-          </a:p>
-          <a:p>
-            <a:endParaRPr lang="en-GB" sz="2400" b="1" dirty="0"/>
-          </a:p>
-          <a:p>
-            <a:endParaRPr lang="en-GB" sz="2400" b="1" dirty="0"/>
-          </a:p>
-          <a:p>
-            <a:endParaRPr lang="en-GB" sz="2400" b="1" dirty="0"/>
-          </a:p>
-          <a:p>
-            <a:endParaRPr lang="en-GB" sz="2400" b="1" dirty="0"/>
-          </a:p>
-          <a:p>
-            <a:r>
-              <a:rPr lang="en-GB" sz="2400" b="1" dirty="0"/>
-              <a:t>Singly-linked list under the hood…</a:t>
-            </a:r>
-          </a:p>
-          <a:p>
+              <a:t>std::stack </a:t>
+            </a:r>
+            <a:r>
+              <a:rPr lang="en-GB" sz="2400" dirty="0"/>
+              <a:t>class is a container adaptor that gives the programmer the functionality of a stack - specifically, a LIFO (last-in, first-out) data structure.</a:t>
+            </a:r>
+          </a:p>
+          <a:p>
+            <a:endParaRPr lang="en-GB" sz="2400" dirty="0"/>
+          </a:p>
+          <a:p>
+            <a:pPr marL="0" indent="0">
+              <a:buNone/>
+            </a:pPr>
+            <a:r>
+              <a:rPr lang="en-GB" sz="2400" dirty="0"/>
+              <a:t>	std::stack&lt;int&gt; s;</a:t>
+            </a:r>
+          </a:p>
+          <a:p>
+            <a:pPr marL="0" indent="0">
+              <a:buNone/>
+            </a:pPr>
+            <a:endParaRPr lang="en-GB" sz="2400" dirty="0"/>
+          </a:p>
+          <a:p>
+            <a:pPr marL="0" indent="0">
+              <a:buNone/>
+            </a:pPr>
             <a:endParaRPr lang="en-GB" sz="2400" dirty="0"/>
           </a:p>
         </p:txBody>
@@ -6894,40 +6919,10 @@
           </a:prstGeom>
         </p:spPr>
       </p:pic>
-      <p:pic>
-        <p:nvPicPr>
-          <p:cNvPr id="6" name="Picture 5">
-            <a:extLst>
-              <a:ext uri="{FF2B5EF4-FFF2-40B4-BE49-F238E27FC236}">
-                <a16:creationId xmlns:a16="http://schemas.microsoft.com/office/drawing/2014/main" id="{20786E7F-1A80-E83A-0599-FD1EBBAB3095}"/>
-              </a:ext>
-            </a:extLst>
-          </p:cNvPr>
-          <p:cNvPicPr>
-            <a:picLocks noChangeAspect="1"/>
-          </p:cNvPicPr>
-          <p:nvPr/>
-        </p:nvPicPr>
-        <p:blipFill>
-          <a:blip r:embed="rId4"/>
-          <a:stretch>
-            <a:fillRect/>
-          </a:stretch>
-        </p:blipFill>
-        <p:spPr>
-          <a:xfrm>
-            <a:off x="1088290" y="3337400"/>
-            <a:ext cx="5268060" cy="2343477"/>
-          </a:xfrm>
-          <a:prstGeom prst="rect">
-            <a:avLst/>
-          </a:prstGeom>
-        </p:spPr>
-      </p:pic>
     </p:spTree>
     <p:extLst>
       <p:ext uri="{BB962C8B-B14F-4D97-AF65-F5344CB8AC3E}">
-        <p14:creationId xmlns:p14="http://schemas.microsoft.com/office/powerpoint/2010/main" val="479230865"/>
+        <p14:creationId xmlns:p14="http://schemas.microsoft.com/office/powerpoint/2010/main" val="2457761309"/>
       </p:ext>
     </p:extLst>
   </p:cSld>
@@ -6984,7 +6979,7 @@
           <a:p>
             <a:r>
               <a:rPr lang="en-US" dirty="0"/>
-              <a:t>Std::stack</a:t>
+              <a:t>Std::queue</a:t>
             </a:r>
             <a:endParaRPr lang="en-IL" dirty="0"/>
           </a:p>
@@ -7020,15 +7015,15 @@
           <a:p>
             <a:r>
               <a:rPr lang="en-GB" sz="2400" dirty="0"/>
-              <a:t>The </a:t>
+              <a:t>he </a:t>
             </a:r>
             <a:r>
               <a:rPr lang="en-GB" sz="2400" b="1" dirty="0"/>
-              <a:t>std::stack </a:t>
+              <a:t>std::queue </a:t>
             </a:r>
             <a:r>
               <a:rPr lang="en-GB" sz="2400" dirty="0"/>
-              <a:t>class is a container adaptor that gives the programmer the functionality of a stack - specifically, a LIFO (last-in, first-out) data structure.</a:t>
+              <a:t>class is a container adaptor that gives the programmer the functionality of a queue - specifically, a FIFO (first-in, first-out) data structure.</a:t>
             </a:r>
           </a:p>
           <a:p>
@@ -7040,13 +7035,12 @@
             </a:pPr>
             <a:r>
               <a:rPr lang="en-GB" sz="2400" dirty="0"/>
-              <a:t>	std::stack&lt;int&gt; s;</a:t>
-            </a:r>
-          </a:p>
-          <a:p>
-            <a:pPr marL="0" indent="0">
-              <a:buNone/>
-            </a:pPr>
+              <a:t>	std::queue&lt;int</a:t>
+            </a:r>
+            <a:r>
+              <a:rPr lang="en-GB" sz="2400"/>
+              <a:t>&gt; q;</a:t>
+            </a:r>
             <a:endParaRPr lang="en-GB" sz="2400" dirty="0"/>
           </a:p>
           <a:p>
@@ -7098,7 +7092,7 @@
     </p:spTree>
     <p:extLst>
       <p:ext uri="{BB962C8B-B14F-4D97-AF65-F5344CB8AC3E}">
-        <p14:creationId xmlns:p14="http://schemas.microsoft.com/office/powerpoint/2010/main" val="2457761309"/>
+        <p14:creationId xmlns:p14="http://schemas.microsoft.com/office/powerpoint/2010/main" val="3431494045"/>
       </p:ext>
     </p:extLst>
   </p:cSld>
@@ -7109,176 +7103,6 @@
 </file>
 
 <file path=ppt/slides/slide15.xml><?xml version="1.0" encoding="utf-8"?>
-<p:sld xmlns:a="http://schemas.openxmlformats.org/drawingml/2006/main" xmlns:r="http://schemas.openxmlformats.org/officeDocument/2006/relationships" xmlns:p="http://schemas.openxmlformats.org/presentationml/2006/main">
-  <p:cSld>
-    <p:spTree>
-      <p:nvGrpSpPr>
-        <p:cNvPr id="1" name=""/>
-        <p:cNvGrpSpPr/>
-        <p:nvPr/>
-      </p:nvGrpSpPr>
-      <p:grpSpPr>
-        <a:xfrm>
-          <a:off x="0" y="0"/>
-          <a:ext cx="0" cy="0"/>
-          <a:chOff x="0" y="0"/>
-          <a:chExt cx="0" cy="0"/>
-        </a:xfrm>
-      </p:grpSpPr>
-      <p:sp>
-        <p:nvSpPr>
-          <p:cNvPr id="2" name="Title 1">
-            <a:extLst>
-              <a:ext uri="{FF2B5EF4-FFF2-40B4-BE49-F238E27FC236}">
-                <a16:creationId xmlns:a16="http://schemas.microsoft.com/office/drawing/2014/main" id="{52C967D9-E119-03D1-0D2C-84B6990DFF2F}"/>
-              </a:ext>
-            </a:extLst>
-          </p:cNvPr>
-          <p:cNvSpPr>
-            <a:spLocks noGrp="1"/>
-          </p:cNvSpPr>
-          <p:nvPr>
-            <p:ph type="title"/>
-          </p:nvPr>
-        </p:nvSpPr>
-        <p:spPr>
-          <a:xfrm>
-            <a:off x="619760" y="764373"/>
-            <a:ext cx="6832600" cy="1293028"/>
-          </a:xfrm>
-        </p:spPr>
-        <p:txBody>
-          <a:bodyPr>
-            <a:normAutofit/>
-          </a:bodyPr>
-          <a:lstStyle/>
-          <a:p>
-            <a:r>
-              <a:rPr lang="en-US" dirty="0"/>
-              <a:t>Std::queue</a:t>
-            </a:r>
-            <a:endParaRPr lang="en-IL" dirty="0"/>
-          </a:p>
-        </p:txBody>
-      </p:sp>
-      <p:sp>
-        <p:nvSpPr>
-          <p:cNvPr id="4" name="Content Placeholder 3">
-            <a:extLst>
-              <a:ext uri="{FF2B5EF4-FFF2-40B4-BE49-F238E27FC236}">
-                <a16:creationId xmlns:a16="http://schemas.microsoft.com/office/drawing/2014/main" id="{2FACC6E7-5C46-C424-85D5-345AF3AC1299}"/>
-              </a:ext>
-            </a:extLst>
-          </p:cNvPr>
-          <p:cNvSpPr>
-            <a:spLocks noGrp="1"/>
-          </p:cNvSpPr>
-          <p:nvPr>
-            <p:ph idx="1"/>
-          </p:nvPr>
-        </p:nvSpPr>
-        <p:spPr>
-          <a:xfrm>
-            <a:off x="619760" y="2194560"/>
-            <a:ext cx="7241478" cy="4024125"/>
-          </a:xfrm>
-        </p:spPr>
-        <p:txBody>
-          <a:bodyPr>
-            <a:normAutofit/>
-          </a:bodyPr>
-          <a:lstStyle/>
-          <a:p>
-            <a:r>
-              <a:rPr lang="en-GB" sz="2400" dirty="0"/>
-              <a:t>he </a:t>
-            </a:r>
-            <a:r>
-              <a:rPr lang="en-GB" sz="2400" b="1" dirty="0"/>
-              <a:t>std::queue </a:t>
-            </a:r>
-            <a:r>
-              <a:rPr lang="en-GB" sz="2400" dirty="0"/>
-              <a:t>class is a container adaptor that gives the programmer the functionality of a queue - specifically, a FIFO (first-in, first-out) data structure.</a:t>
-            </a:r>
-          </a:p>
-          <a:p>
-            <a:endParaRPr lang="en-GB" sz="2400" dirty="0"/>
-          </a:p>
-          <a:p>
-            <a:pPr marL="0" indent="0">
-              <a:buNone/>
-            </a:pPr>
-            <a:r>
-              <a:rPr lang="en-GB" sz="2400" dirty="0"/>
-              <a:t>	std::queue&lt;int</a:t>
-            </a:r>
-            <a:r>
-              <a:rPr lang="en-GB" sz="2400"/>
-              <a:t>&gt; q;</a:t>
-            </a:r>
-            <a:endParaRPr lang="en-GB" sz="2400" dirty="0"/>
-          </a:p>
-          <a:p>
-            <a:pPr marL="0" indent="0">
-              <a:buNone/>
-            </a:pPr>
-            <a:endParaRPr lang="en-GB" sz="2400" dirty="0"/>
-          </a:p>
-        </p:txBody>
-      </p:sp>
-      <p:pic>
-        <p:nvPicPr>
-          <p:cNvPr id="23" name="Graphic 22" descr="Box outline">
-            <a:extLst>
-              <a:ext uri="{FF2B5EF4-FFF2-40B4-BE49-F238E27FC236}">
-                <a16:creationId xmlns:a16="http://schemas.microsoft.com/office/drawing/2014/main" id="{CF1119E0-8D7D-43C2-3026-0DA78A2E3940}"/>
-              </a:ext>
-            </a:extLst>
-          </p:cNvPr>
-          <p:cNvPicPr>
-            <a:picLocks noChangeAspect="1"/>
-          </p:cNvPicPr>
-          <p:nvPr/>
-        </p:nvPicPr>
-        <p:blipFill>
-          <a:blip r:embed="rId2">
-            <a:extLst>
-              <a:ext uri="{28A0092B-C50C-407E-A947-70E740481C1C}">
-                <a14:useLocalDpi xmlns:a14="http://schemas.microsoft.com/office/drawing/2010/main" val="0"/>
-              </a:ext>
-              <a:ext uri="{96DAC541-7B7A-43D3-8B79-37D633B846F1}">
-                <asvg:svgBlip xmlns:asvg="http://schemas.microsoft.com/office/drawing/2016/SVG/main" r:embed="rId3"/>
-              </a:ext>
-            </a:extLst>
-          </a:blip>
-          <a:srcRect/>
-          <a:stretch/>
-        </p:blipFill>
-        <p:spPr>
-          <a:xfrm>
-            <a:off x="7861238" y="1659923"/>
-            <a:ext cx="3644962" cy="3644962"/>
-          </a:xfrm>
-          <a:prstGeom prst="rect">
-            <a:avLst/>
-          </a:prstGeom>
-        </p:spPr>
-      </p:pic>
-    </p:spTree>
-    <p:extLst>
-      <p:ext uri="{BB962C8B-B14F-4D97-AF65-F5344CB8AC3E}">
-        <p14:creationId xmlns:p14="http://schemas.microsoft.com/office/powerpoint/2010/main" val="3431494045"/>
-      </p:ext>
-    </p:extLst>
-  </p:cSld>
-  <p:clrMapOvr>
-    <a:masterClrMapping/>
-  </p:clrMapOvr>
-</p:sld>
-</file>
-
-<file path=ppt/slides/slide16.xml><?xml version="1.0" encoding="utf-8"?>
 <p:sld xmlns:a="http://schemas.openxmlformats.org/drawingml/2006/main" xmlns:r="http://schemas.openxmlformats.org/officeDocument/2006/relationships" xmlns:p="http://schemas.openxmlformats.org/presentationml/2006/main">
   <p:cSld>
     <p:spTree>
@@ -7564,7 +7388,7 @@
 </p:sld>
 </file>
 
-<file path=ppt/slides/slide17.xml><?xml version="1.0" encoding="utf-8"?>
+<file path=ppt/slides/slide16.xml><?xml version="1.0" encoding="utf-8"?>
 <p:sld xmlns:a="http://schemas.openxmlformats.org/drawingml/2006/main" xmlns:r="http://schemas.openxmlformats.org/officeDocument/2006/relationships" xmlns:p="http://schemas.openxmlformats.org/presentationml/2006/main">
   <p:cSld>
     <p:spTree>
@@ -8046,40 +7870,34 @@
           <a:p>
             <a:r>
               <a:rPr lang="en-GB" sz="2400" dirty="0"/>
-              <a:t>There are 3 kinds of containers:</a:t>
-            </a:r>
-          </a:p>
-          <a:p>
-            <a:pPr lvl="1"/>
-            <a:r>
-              <a:rPr lang="en-GB" sz="2200" b="1" dirty="0"/>
-              <a:t>Sequence</a:t>
-            </a:r>
-          </a:p>
-          <a:p>
-            <a:pPr lvl="1"/>
-            <a:r>
-              <a:rPr lang="en-GB" sz="2200" b="1" dirty="0"/>
-              <a:t>Associative</a:t>
-            </a:r>
-          </a:p>
-          <a:p>
-            <a:pPr lvl="1"/>
-            <a:r>
-              <a:rPr lang="en-GB" sz="2200" b="1" dirty="0"/>
-              <a:t>Unordered associative</a:t>
-            </a:r>
-          </a:p>
-          <a:p>
-            <a:pPr marL="457200" lvl="1" indent="0">
+              <a:t>The container manages the storage space that is allocated for its elements.</a:t>
+            </a:r>
+          </a:p>
+          <a:p>
+            <a:pPr marL="0" indent="0">
               <a:buNone/>
             </a:pPr>
-            <a:endParaRPr lang="en-GB" sz="2200" dirty="0"/>
+            <a:endParaRPr lang="en-GB" sz="2400" dirty="0"/>
           </a:p>
           <a:p>
             <a:r>
               <a:rPr lang="en-GB" sz="2400" dirty="0"/>
-              <a:t>each of which is designed to support a different set of operations.</a:t>
+              <a:t>Provides member functions to access them, either directly or through iterators </a:t>
+            </a:r>
+            <a:r>
+              <a:rPr lang="en-GB" sz="2400" dirty="0">
+                <a:solidFill>
+                  <a:schemeClr val="bg1">
+                    <a:lumMod val="50000"/>
+                    <a:lumOff val="50000"/>
+                  </a:schemeClr>
+                </a:solidFill>
+              </a:rPr>
+              <a:t>(objects with properties similar to pointers)</a:t>
+            </a:r>
+            <a:r>
+              <a:rPr lang="en-GB" sz="2400" dirty="0"/>
+              <a:t>.</a:t>
             </a:r>
           </a:p>
         </p:txBody>
@@ -8125,7 +7943,7 @@
     </p:spTree>
     <p:extLst>
       <p:ext uri="{BB962C8B-B14F-4D97-AF65-F5344CB8AC3E}">
-        <p14:creationId xmlns:p14="http://schemas.microsoft.com/office/powerpoint/2010/main" val="3854889241"/>
+        <p14:creationId xmlns:p14="http://schemas.microsoft.com/office/powerpoint/2010/main" val="3950371420"/>
       </p:ext>
     </p:extLst>
   </p:cSld>
@@ -8218,7 +8036,7 @@
           <a:p>
             <a:r>
               <a:rPr lang="en-GB" sz="2400" dirty="0"/>
-              <a:t>The container manages the storage space that is allocated for its elements.</a:t>
+              <a:t>Most containers have at least several member functions in common, and share functionalities.</a:t>
             </a:r>
           </a:p>
           <a:p>
@@ -8229,23 +8047,20 @@
           </a:p>
           <a:p>
             <a:r>
+              <a:rPr lang="en-GB" sz="2400" i="1" dirty="0"/>
+              <a:t>Which container is the best for the particular application?</a:t>
+            </a:r>
+          </a:p>
+          <a:p>
+            <a:pPr marL="0" indent="0">
+              <a:buNone/>
+            </a:pPr>
+            <a:endParaRPr lang="en-GB" sz="2400" i="1" dirty="0"/>
+          </a:p>
+          <a:p>
+            <a:r>
               <a:rPr lang="en-GB" sz="2400" dirty="0"/>
-              <a:t>Provides member functions to access them, either directly or through iterators </a:t>
-            </a:r>
-            <a:r>
-              <a:rPr lang="en-GB" sz="2400" dirty="0">
-                <a:solidFill>
-                  <a:schemeClr val="bg1">
-                    <a:lumMod val="50000"/>
-                    <a:lumOff val="50000"/>
-                  </a:schemeClr>
-                </a:solidFill>
-              </a:rPr>
-              <a:t>(objects with properties similar to pointers)</a:t>
-            </a:r>
-            <a:r>
-              <a:rPr lang="en-GB" sz="2400" dirty="0"/>
-              <a:t>.</a:t>
+              <a:t>Depends not only on the offered functionality, but also on its efficiency for different workloads.</a:t>
             </a:r>
           </a:p>
         </p:txBody>
@@ -8291,7 +8106,7 @@
     </p:spTree>
     <p:extLst>
       <p:ext uri="{BB962C8B-B14F-4D97-AF65-F5344CB8AC3E}">
-        <p14:creationId xmlns:p14="http://schemas.microsoft.com/office/powerpoint/2010/main" val="3950371420"/>
+        <p14:creationId xmlns:p14="http://schemas.microsoft.com/office/powerpoint/2010/main" val="3065857544"/>
       </p:ext>
     </p:extLst>
   </p:cSld>
@@ -8378,13 +8193,13 @@
         </p:spPr>
         <p:txBody>
           <a:bodyPr>
-            <a:normAutofit/>
+            <a:normAutofit fontScale="92500" lnSpcReduction="10000"/>
           </a:bodyPr>
           <a:lstStyle/>
           <a:p>
             <a:r>
               <a:rPr lang="en-GB" sz="2400" dirty="0"/>
-              <a:t>Most containers have at least several member functions in common, and share functionalities.</a:t>
+              <a:t>STL containers have several advantages:</a:t>
             </a:r>
           </a:p>
           <a:p>
@@ -8394,22 +8209,81 @@
             <a:endParaRPr lang="en-GB" sz="2400" dirty="0"/>
           </a:p>
           <a:p>
-            <a:r>
-              <a:rPr lang="en-GB" sz="2400" i="1" dirty="0"/>
-              <a:t>Which container is the best for the particular application?</a:t>
-            </a:r>
-          </a:p>
-          <a:p>
-            <a:pPr marL="0" indent="0">
+            <a:pPr lvl="1"/>
+            <a:r>
+              <a:rPr lang="en-GB" sz="2200" b="1" dirty="0"/>
+              <a:t>Written and optimized </a:t>
+            </a:r>
+            <a:r>
+              <a:rPr lang="en-GB" sz="2200" dirty="0"/>
+              <a:t>by the C++ committee</a:t>
+            </a:r>
+          </a:p>
+          <a:p>
+            <a:pPr marL="457200" lvl="1" indent="0">
               <a:buNone/>
             </a:pPr>
-            <a:endParaRPr lang="en-GB" sz="2400" i="1" dirty="0"/>
-          </a:p>
-          <a:p>
-            <a:r>
-              <a:rPr lang="en-GB" sz="2400" dirty="0"/>
-              <a:t>Depends not only on the offered functionality, but also on its efficiency for different workloads.</a:t>
-            </a:r>
+            <a:endParaRPr lang="en-GB" sz="2200" b="1" dirty="0"/>
+          </a:p>
+          <a:p>
+            <a:pPr lvl="1"/>
+            <a:r>
+              <a:rPr lang="en-GB" sz="2200" b="1" dirty="0"/>
+              <a:t>Work great with STL algorithms </a:t>
+            </a:r>
+            <a:r>
+              <a:rPr lang="en-GB" sz="2200" dirty="0"/>
+              <a:t>(more on that in the next lessons)</a:t>
+            </a:r>
+          </a:p>
+          <a:p>
+            <a:pPr marL="457200" lvl="1" indent="0">
+              <a:buNone/>
+            </a:pPr>
+            <a:endParaRPr lang="en-GB" sz="2200" dirty="0"/>
+          </a:p>
+          <a:p>
+            <a:pPr lvl="1"/>
+            <a:r>
+              <a:rPr lang="en-GB" sz="2200" b="1" dirty="0"/>
+              <a:t>The containers know their size </a:t>
+            </a:r>
+            <a:r>
+              <a:rPr lang="en-GB" sz="2200" dirty="0"/>
+              <a:t>and manage themselves.</a:t>
+            </a:r>
+          </a:p>
+          <a:p>
+            <a:pPr lvl="1"/>
+            <a:endParaRPr lang="en-GB" sz="2200" dirty="0"/>
+          </a:p>
+          <a:p>
+            <a:pPr lvl="1"/>
+            <a:r>
+              <a:rPr lang="en-GB" sz="2200" b="1" dirty="0"/>
+              <a:t>You don’t have to worry memory management!</a:t>
+            </a:r>
+            <a:r>
+              <a:rPr lang="en-GB" sz="2200" dirty="0"/>
+              <a:t> When the container destructs, so do its contents (**not raw pointers)</a:t>
+            </a:r>
+            <a:endParaRPr lang="en-GB" sz="2200" b="1" dirty="0"/>
+          </a:p>
+          <a:p>
+            <a:pPr lvl="1"/>
+            <a:endParaRPr lang="en-GB" sz="2200" b="1" dirty="0"/>
+          </a:p>
+          <a:p>
+            <a:pPr lvl="1"/>
+            <a:endParaRPr lang="en-GB" sz="2200" dirty="0"/>
+          </a:p>
+          <a:p>
+            <a:pPr lvl="1"/>
+            <a:endParaRPr lang="en-GB" sz="2200" dirty="0"/>
+          </a:p>
+          <a:p>
+            <a:pPr lvl="1"/>
+            <a:endParaRPr lang="en-GB" sz="2200" dirty="0"/>
           </a:p>
         </p:txBody>
       </p:sp>
@@ -8454,7 +8328,7 @@
     </p:spTree>
     <p:extLst>
       <p:ext uri="{BB962C8B-B14F-4D97-AF65-F5344CB8AC3E}">
-        <p14:creationId xmlns:p14="http://schemas.microsoft.com/office/powerpoint/2010/main" val="3065857544"/>
+        <p14:creationId xmlns:p14="http://schemas.microsoft.com/office/powerpoint/2010/main" val="147030311"/>
       </p:ext>
     </p:extLst>
   </p:cSld>
@@ -8465,228 +8339,6 @@
 </file>
 
 <file path=ppt/slides/slide7.xml><?xml version="1.0" encoding="utf-8"?>
-<p:sld xmlns:a="http://schemas.openxmlformats.org/drawingml/2006/main" xmlns:r="http://schemas.openxmlformats.org/officeDocument/2006/relationships" xmlns:p="http://schemas.openxmlformats.org/presentationml/2006/main">
-  <p:cSld>
-    <p:spTree>
-      <p:nvGrpSpPr>
-        <p:cNvPr id="1" name=""/>
-        <p:cNvGrpSpPr/>
-        <p:nvPr/>
-      </p:nvGrpSpPr>
-      <p:grpSpPr>
-        <a:xfrm>
-          <a:off x="0" y="0"/>
-          <a:ext cx="0" cy="0"/>
-          <a:chOff x="0" y="0"/>
-          <a:chExt cx="0" cy="0"/>
-        </a:xfrm>
-      </p:grpSpPr>
-      <p:sp>
-        <p:nvSpPr>
-          <p:cNvPr id="2" name="Title 1">
-            <a:extLst>
-              <a:ext uri="{FF2B5EF4-FFF2-40B4-BE49-F238E27FC236}">
-                <a16:creationId xmlns:a16="http://schemas.microsoft.com/office/drawing/2014/main" id="{52C967D9-E119-03D1-0D2C-84B6990DFF2F}"/>
-              </a:ext>
-            </a:extLst>
-          </p:cNvPr>
-          <p:cNvSpPr>
-            <a:spLocks noGrp="1"/>
-          </p:cNvSpPr>
-          <p:nvPr>
-            <p:ph type="title"/>
-          </p:nvPr>
-        </p:nvSpPr>
-        <p:spPr>
-          <a:xfrm>
-            <a:off x="619760" y="764373"/>
-            <a:ext cx="6832600" cy="1293028"/>
-          </a:xfrm>
-        </p:spPr>
-        <p:txBody>
-          <a:bodyPr>
-            <a:normAutofit/>
-          </a:bodyPr>
-          <a:lstStyle/>
-          <a:p>
-            <a:r>
-              <a:rPr lang="en-US" dirty="0"/>
-              <a:t>Standard library containers</a:t>
-            </a:r>
-            <a:endParaRPr lang="en-IL" dirty="0"/>
-          </a:p>
-        </p:txBody>
-      </p:sp>
-      <p:sp>
-        <p:nvSpPr>
-          <p:cNvPr id="4" name="Content Placeholder 3">
-            <a:extLst>
-              <a:ext uri="{FF2B5EF4-FFF2-40B4-BE49-F238E27FC236}">
-                <a16:creationId xmlns:a16="http://schemas.microsoft.com/office/drawing/2014/main" id="{2FACC6E7-5C46-C424-85D5-345AF3AC1299}"/>
-              </a:ext>
-            </a:extLst>
-          </p:cNvPr>
-          <p:cNvSpPr>
-            <a:spLocks noGrp="1"/>
-          </p:cNvSpPr>
-          <p:nvPr>
-            <p:ph idx="1"/>
-          </p:nvPr>
-        </p:nvSpPr>
-        <p:spPr>
-          <a:xfrm>
-            <a:off x="619760" y="2194560"/>
-            <a:ext cx="6832600" cy="4024125"/>
-          </a:xfrm>
-        </p:spPr>
-        <p:txBody>
-          <a:bodyPr>
-            <a:normAutofit fontScale="92500" lnSpcReduction="10000"/>
-          </a:bodyPr>
-          <a:lstStyle/>
-          <a:p>
-            <a:r>
-              <a:rPr lang="en-GB" sz="2400" dirty="0"/>
-              <a:t>STL containers have several advantages:</a:t>
-            </a:r>
-          </a:p>
-          <a:p>
-            <a:pPr marL="0" indent="0">
-              <a:buNone/>
-            </a:pPr>
-            <a:endParaRPr lang="en-GB" sz="2400" dirty="0"/>
-          </a:p>
-          <a:p>
-            <a:pPr lvl="1"/>
-            <a:r>
-              <a:rPr lang="en-GB" sz="2200" b="1" dirty="0"/>
-              <a:t>Written and optimized </a:t>
-            </a:r>
-            <a:r>
-              <a:rPr lang="en-GB" sz="2200" dirty="0"/>
-              <a:t>by the C++ committee</a:t>
-            </a:r>
-          </a:p>
-          <a:p>
-            <a:pPr marL="457200" lvl="1" indent="0">
-              <a:buNone/>
-            </a:pPr>
-            <a:endParaRPr lang="en-GB" sz="2200" b="1" dirty="0"/>
-          </a:p>
-          <a:p>
-            <a:pPr lvl="1"/>
-            <a:r>
-              <a:rPr lang="en-GB" sz="2200" b="1" dirty="0"/>
-              <a:t>Work great with STL algorithms </a:t>
-            </a:r>
-            <a:r>
-              <a:rPr lang="en-GB" sz="2200" dirty="0"/>
-              <a:t>(more on that in the next lessons)</a:t>
-            </a:r>
-          </a:p>
-          <a:p>
-            <a:pPr marL="457200" lvl="1" indent="0">
-              <a:buNone/>
-            </a:pPr>
-            <a:endParaRPr lang="en-GB" sz="2200" dirty="0"/>
-          </a:p>
-          <a:p>
-            <a:pPr lvl="1"/>
-            <a:r>
-              <a:rPr lang="en-GB" sz="2200" b="1" dirty="0"/>
-              <a:t>The containers know their size </a:t>
-            </a:r>
-            <a:r>
-              <a:rPr lang="en-GB" sz="2200" dirty="0"/>
-              <a:t>and manage themselves.</a:t>
-            </a:r>
-          </a:p>
-          <a:p>
-            <a:pPr lvl="1"/>
-            <a:endParaRPr lang="en-GB" sz="2200" dirty="0"/>
-          </a:p>
-          <a:p>
-            <a:pPr lvl="1"/>
-            <a:r>
-              <a:rPr lang="en-GB" sz="2200" b="1" dirty="0"/>
-              <a:t>You don’t have to worry memory management!</a:t>
-            </a:r>
-            <a:r>
-              <a:rPr lang="en-GB" sz="2200" dirty="0"/>
-              <a:t> When the container destructs, so do its contents (**not raw pointers)</a:t>
-            </a:r>
-            <a:endParaRPr lang="en-GB" sz="2200" b="1" dirty="0"/>
-          </a:p>
-          <a:p>
-            <a:pPr lvl="1"/>
-            <a:endParaRPr lang="en-GB" sz="2200" b="1" dirty="0"/>
-          </a:p>
-          <a:p>
-            <a:pPr lvl="1"/>
-            <a:endParaRPr lang="en-GB" sz="2200" dirty="0"/>
-          </a:p>
-          <a:p>
-            <a:pPr lvl="1"/>
-            <a:endParaRPr lang="en-GB" sz="2200" dirty="0"/>
-          </a:p>
-          <a:p>
-            <a:pPr lvl="1"/>
-            <a:endParaRPr lang="en-GB" sz="2200" dirty="0"/>
-          </a:p>
-        </p:txBody>
-      </p:sp>
-      <p:pic>
-        <p:nvPicPr>
-          <p:cNvPr id="23" name="Graphic 22" descr="Box outline">
-            <a:extLst>
-              <a:ext uri="{FF2B5EF4-FFF2-40B4-BE49-F238E27FC236}">
-                <a16:creationId xmlns:a16="http://schemas.microsoft.com/office/drawing/2014/main" id="{CF1119E0-8D7D-43C2-3026-0DA78A2E3940}"/>
-              </a:ext>
-            </a:extLst>
-          </p:cNvPr>
-          <p:cNvPicPr>
-            <a:picLocks noChangeAspect="1"/>
-          </p:cNvPicPr>
-          <p:nvPr/>
-        </p:nvPicPr>
-        <p:blipFill>
-          <a:blip r:embed="rId2">
-            <a:extLst>
-              <a:ext uri="{28A0092B-C50C-407E-A947-70E740481C1C}">
-                <a14:useLocalDpi xmlns:a14="http://schemas.microsoft.com/office/drawing/2010/main" val="0"/>
-              </a:ext>
-              <a:ext uri="{96DAC541-7B7A-43D3-8B79-37D633B846F1}">
-                <asvg:svgBlip xmlns:asvg="http://schemas.microsoft.com/office/drawing/2016/SVG/main" r:embed="rId3"/>
-              </a:ext>
-            </a:extLst>
-          </a:blip>
-          <a:srcRect/>
-          <a:stretch/>
-        </p:blipFill>
-        <p:spPr>
-          <a:xfrm>
-            <a:off x="7861238" y="1659923"/>
-            <a:ext cx="3644962" cy="3644962"/>
-          </a:xfrm>
-          <a:prstGeom prst="rect">
-            <a:avLst/>
-          </a:prstGeom>
-        </p:spPr>
-      </p:pic>
-    </p:spTree>
-    <p:extLst>
-      <p:ext uri="{BB962C8B-B14F-4D97-AF65-F5344CB8AC3E}">
-        <p14:creationId xmlns:p14="http://schemas.microsoft.com/office/powerpoint/2010/main" val="147030311"/>
-      </p:ext>
-    </p:extLst>
-  </p:cSld>
-  <p:clrMapOvr>
-    <a:masterClrMapping/>
-  </p:clrMapOvr>
-</p:sld>
-</file>
-
-<file path=ppt/slides/slide8.xml><?xml version="1.0" encoding="utf-8"?>
 <p:sld xmlns:a="http://schemas.openxmlformats.org/drawingml/2006/main" xmlns:r="http://schemas.openxmlformats.org/officeDocument/2006/relationships" xmlns:p="http://schemas.openxmlformats.org/presentationml/2006/main">
   <p:cSld>
     <p:bg>
@@ -8992,14 +8644,14 @@
             <p:ph idx="1"/>
             <p:extLst>
               <p:ext uri="{D42A27DB-BD31-4B8C-83A1-F6EECF244321}">
-                <p14:modId xmlns:p14="http://schemas.microsoft.com/office/powerpoint/2010/main" val="1916987923"/>
+                <p14:modId xmlns:p14="http://schemas.microsoft.com/office/powerpoint/2010/main" val="3103727981"/>
               </p:ext>
             </p:extLst>
           </p:nvPr>
         </p:nvGraphicFramePr>
         <p:xfrm>
           <a:off x="5268890" y="212926"/>
-          <a:ext cx="6290227" cy="6252614"/>
+          <a:ext cx="6290227" cy="6333953"/>
         </p:xfrm>
         <a:graphic>
           <a:graphicData uri="http://schemas.openxmlformats.org/drawingml/2006/table">
@@ -9168,15 +8820,7 @@
                       <a:pPr algn="ctr"/>
                       <a:r>
                         <a:rPr lang="en-US" sz="1200" dirty="0"/>
-                        <a:t>Dynamic size (</a:t>
-                      </a:r>
-                      <a:r>
-                        <a:rPr lang="en-US" sz="1200" dirty="0" err="1"/>
-                        <a:t>contiguos</a:t>
-                      </a:r>
-                      <a:r>
-                        <a:rPr lang="en-US" sz="1200" dirty="0"/>
-                        <a:t>)</a:t>
+                        <a:t>Dynamic size (contiguous)</a:t>
                       </a:r>
                       <a:endParaRPr lang="en-IL" sz="1200" dirty="0"/>
                     </a:p>
@@ -9508,10 +9152,18 @@
                     <a:p>
                       <a:pPr algn="ctr"/>
                       <a:r>
-                        <a:rPr lang="en-US" sz="1200"/>
-                        <a:t>map</a:t>
+                        <a:rPr lang="en-US" sz="1200" dirty="0"/>
+                        <a:t>Map (</a:t>
                       </a:r>
-                      <a:endParaRPr lang="en-IL" sz="1200"/>
+                      <a:r>
+                        <a:rPr lang="en-US" sz="1200" dirty="0" err="1"/>
+                        <a:t>c#</a:t>
+                      </a:r>
+                      <a:r>
+                        <a:rPr lang="en-US" sz="1200" dirty="0"/>
+                        <a:t> dictionary)</a:t>
+                      </a:r>
+                      <a:endParaRPr lang="en-IL" sz="1200" dirty="0"/>
                     </a:p>
                   </a:txBody>
                   <a:tcPr marL="83653" marR="83653" marT="41826" marB="41826" anchor="ctr"/>
@@ -9898,7 +9550,7 @@
 </p:sld>
 </file>
 
-<file path=ppt/slides/slide9.xml><?xml version="1.0" encoding="utf-8"?>
+<file path=ppt/slides/slide8.xml><?xml version="1.0" encoding="utf-8"?>
 <p:sld xmlns:a="http://schemas.openxmlformats.org/drawingml/2006/main" xmlns:r="http://schemas.openxmlformats.org/officeDocument/2006/relationships" xmlns:p="http://schemas.openxmlformats.org/presentationml/2006/main">
   <p:cSld>
     <p:spTree>
@@ -10089,6 +9741,181 @@
     <p:extLst>
       <p:ext uri="{BB962C8B-B14F-4D97-AF65-F5344CB8AC3E}">
         <p14:creationId xmlns:p14="http://schemas.microsoft.com/office/powerpoint/2010/main" val="2943373627"/>
+      </p:ext>
+    </p:extLst>
+  </p:cSld>
+  <p:clrMapOvr>
+    <a:masterClrMapping/>
+  </p:clrMapOvr>
+</p:sld>
+</file>
+
+<file path=ppt/slides/slide9.xml><?xml version="1.0" encoding="utf-8"?>
+<p:sld xmlns:a="http://schemas.openxmlformats.org/drawingml/2006/main" xmlns:r="http://schemas.openxmlformats.org/officeDocument/2006/relationships" xmlns:p="http://schemas.openxmlformats.org/presentationml/2006/main">
+  <p:cSld>
+    <p:spTree>
+      <p:nvGrpSpPr>
+        <p:cNvPr id="1" name=""/>
+        <p:cNvGrpSpPr/>
+        <p:nvPr/>
+      </p:nvGrpSpPr>
+      <p:grpSpPr>
+        <a:xfrm>
+          <a:off x="0" y="0"/>
+          <a:ext cx="0" cy="0"/>
+          <a:chOff x="0" y="0"/>
+          <a:chExt cx="0" cy="0"/>
+        </a:xfrm>
+      </p:grpSpPr>
+      <p:sp>
+        <p:nvSpPr>
+          <p:cNvPr id="2" name="Title 1">
+            <a:extLst>
+              <a:ext uri="{FF2B5EF4-FFF2-40B4-BE49-F238E27FC236}">
+                <a16:creationId xmlns:a16="http://schemas.microsoft.com/office/drawing/2014/main" id="{52C967D9-E119-03D1-0D2C-84B6990DFF2F}"/>
+              </a:ext>
+            </a:extLst>
+          </p:cNvPr>
+          <p:cNvSpPr>
+            <a:spLocks noGrp="1"/>
+          </p:cNvSpPr>
+          <p:nvPr>
+            <p:ph type="title"/>
+          </p:nvPr>
+        </p:nvSpPr>
+        <p:spPr>
+          <a:xfrm>
+            <a:off x="619760" y="764373"/>
+            <a:ext cx="6832600" cy="1293028"/>
+          </a:xfrm>
+        </p:spPr>
+        <p:txBody>
+          <a:bodyPr>
+            <a:normAutofit/>
+          </a:bodyPr>
+          <a:lstStyle/>
+          <a:p>
+            <a:r>
+              <a:rPr lang="en-US" dirty="0"/>
+              <a:t>Std::list</a:t>
+            </a:r>
+            <a:endParaRPr lang="en-IL" dirty="0"/>
+          </a:p>
+        </p:txBody>
+      </p:sp>
+      <p:sp>
+        <p:nvSpPr>
+          <p:cNvPr id="4" name="Content Placeholder 3">
+            <a:extLst>
+              <a:ext uri="{FF2B5EF4-FFF2-40B4-BE49-F238E27FC236}">
+                <a16:creationId xmlns:a16="http://schemas.microsoft.com/office/drawing/2014/main" id="{2FACC6E7-5C46-C424-85D5-345AF3AC1299}"/>
+              </a:ext>
+            </a:extLst>
+          </p:cNvPr>
+          <p:cNvSpPr>
+            <a:spLocks noGrp="1"/>
+          </p:cNvSpPr>
+          <p:nvPr>
+            <p:ph idx="1"/>
+          </p:nvPr>
+        </p:nvSpPr>
+        <p:spPr>
+          <a:xfrm>
+            <a:off x="619760" y="2194560"/>
+            <a:ext cx="6832600" cy="4024125"/>
+          </a:xfrm>
+        </p:spPr>
+        <p:txBody>
+          <a:bodyPr>
+            <a:normAutofit/>
+          </a:bodyPr>
+          <a:lstStyle/>
+          <a:p>
+            <a:r>
+              <a:rPr lang="en-GB" sz="2400" b="1" dirty="0"/>
+              <a:t>std::list </a:t>
+            </a:r>
+            <a:r>
+              <a:rPr lang="en-GB" sz="2400" dirty="0"/>
+              <a:t>is a container that stores elements in a doubly linked list</a:t>
+            </a:r>
+          </a:p>
+          <a:p>
+            <a:endParaRPr lang="en-GB" sz="2400" dirty="0"/>
+          </a:p>
+          <a:p>
+            <a:pPr marL="0" indent="0">
+              <a:buNone/>
+            </a:pPr>
+            <a:r>
+              <a:rPr lang="en-GB" sz="2400" dirty="0"/>
+              <a:t>	 std::list&lt;int&gt; </a:t>
+            </a:r>
+            <a:r>
+              <a:rPr lang="en-GB" sz="2400" dirty="0" err="1"/>
+              <a:t>lst</a:t>
+            </a:r>
+            <a:r>
+              <a:rPr lang="en-GB" sz="2400" dirty="0"/>
+              <a:t> = {3, 1, 4, 1, 5, 9};</a:t>
+            </a:r>
+          </a:p>
+          <a:p>
+            <a:pPr marL="0" indent="0">
+              <a:buNone/>
+            </a:pPr>
+            <a:endParaRPr lang="en-GB" sz="2400" dirty="0"/>
+          </a:p>
+          <a:p>
+            <a:r>
+              <a:rPr lang="en-GB" sz="2400" dirty="0"/>
+              <a:t>Use list when you want fast adding or removal of elements but don’t need the a contiguous collection</a:t>
+            </a:r>
+          </a:p>
+        </p:txBody>
+      </p:sp>
+      <p:pic>
+        <p:nvPicPr>
+          <p:cNvPr id="23" name="Graphic 22" descr="Box outline">
+            <a:extLst>
+              <a:ext uri="{FF2B5EF4-FFF2-40B4-BE49-F238E27FC236}">
+                <a16:creationId xmlns:a16="http://schemas.microsoft.com/office/drawing/2014/main" id="{CF1119E0-8D7D-43C2-3026-0DA78A2E3940}"/>
+              </a:ext>
+            </a:extLst>
+          </p:cNvPr>
+          <p:cNvPicPr>
+            <a:picLocks noChangeAspect="1"/>
+          </p:cNvPicPr>
+          <p:nvPr/>
+        </p:nvPicPr>
+        <p:blipFill>
+          <a:blip r:embed="rId2">
+            <a:extLst>
+              <a:ext uri="{28A0092B-C50C-407E-A947-70E740481C1C}">
+                <a14:useLocalDpi xmlns:a14="http://schemas.microsoft.com/office/drawing/2010/main" val="0"/>
+              </a:ext>
+              <a:ext uri="{96DAC541-7B7A-43D3-8B79-37D633B846F1}">
+                <asvg:svgBlip xmlns:asvg="http://schemas.microsoft.com/office/drawing/2016/SVG/main" r:embed="rId3"/>
+              </a:ext>
+            </a:extLst>
+          </a:blip>
+          <a:srcRect/>
+          <a:stretch/>
+        </p:blipFill>
+        <p:spPr>
+          <a:xfrm>
+            <a:off x="7861238" y="1659923"/>
+            <a:ext cx="3644962" cy="3644962"/>
+          </a:xfrm>
+          <a:prstGeom prst="rect">
+            <a:avLst/>
+          </a:prstGeom>
+        </p:spPr>
+      </p:pic>
+    </p:spTree>
+    <p:extLst>
+      <p:ext uri="{BB962C8B-B14F-4D97-AF65-F5344CB8AC3E}">
+        <p14:creationId xmlns:p14="http://schemas.microsoft.com/office/powerpoint/2010/main" val="179899286"/>
       </p:ext>
     </p:extLst>
   </p:cSld>
